--- a/Exceptions_in_python.pptx
+++ b/Exceptions_in_python.pptx
@@ -6,6 +6,14 @@
   </p:sldMasterIdLst>
   <p:sldIdLst>
     <p:sldId id="256" r:id="rId2"/>
+    <p:sldId id="257" r:id="rId3"/>
+    <p:sldId id="258" r:id="rId4"/>
+    <p:sldId id="259" r:id="rId5"/>
+    <p:sldId id="260" r:id="rId6"/>
+    <p:sldId id="266" r:id="rId7"/>
+    <p:sldId id="261" r:id="rId8"/>
+    <p:sldId id="263" r:id="rId9"/>
+    <p:sldId id="265" r:id="rId10"/>
   </p:sldIdLst>
   <p:sldSz cx="12192000" cy="6858000"/>
   <p:notesSz cx="6858000" cy="9144000"/>
@@ -104,6 +112,11 @@
       </a:defRPr>
     </a:lvl9pPr>
   </p:defaultTextStyle>
+  <p:extLst>
+    <p:ext uri="{EFAFB233-063F-42B5-8137-9DF3F51BA10A}">
+      <p15:sldGuideLst xmlns:p15="http://schemas.microsoft.com/office/powerpoint/2012/main"/>
+    </p:ext>
+  </p:extLst>
 </p:presentation>
 </file>
 
@@ -3034,6 +3047,1041 @@
 </p:sld>
 </file>
 
+<file path=ppt/slides/slide2.xml><?xml version="1.0" encoding="utf-8"?>
+<p:sld xmlns:a="http://schemas.openxmlformats.org/drawingml/2006/main" xmlns:r="http://schemas.openxmlformats.org/officeDocument/2006/relationships" xmlns:p="http://schemas.openxmlformats.org/presentationml/2006/main">
+  <p:cSld>
+    <p:spTree>
+      <p:nvGrpSpPr>
+        <p:cNvPr id="1" name=""/>
+        <p:cNvGrpSpPr/>
+        <p:nvPr/>
+      </p:nvGrpSpPr>
+      <p:grpSpPr>
+        <a:xfrm>
+          <a:off x="0" y="0"/>
+          <a:ext cx="0" cy="0"/>
+          <a:chOff x="0" y="0"/>
+          <a:chExt cx="0" cy="0"/>
+        </a:xfrm>
+      </p:grpSpPr>
+      <p:sp>
+        <p:nvSpPr>
+          <p:cNvPr id="2" name="Title 1">
+            <a:extLst>
+              <a:ext uri="{FF2B5EF4-FFF2-40B4-BE49-F238E27FC236}">
+                <a16:creationId xmlns:a16="http://schemas.microsoft.com/office/drawing/2014/main" id="{B5D1948D-9AAF-496E-B859-C15C38481305}"/>
+              </a:ext>
+            </a:extLst>
+          </p:cNvPr>
+          <p:cNvSpPr>
+            <a:spLocks noGrp="1"/>
+          </p:cNvSpPr>
+          <p:nvPr>
+            <p:ph type="title"/>
+          </p:nvPr>
+        </p:nvSpPr>
+        <p:spPr/>
+        <p:txBody>
+          <a:bodyPr/>
+          <a:lstStyle/>
+          <a:p>
+            <a:r>
+              <a:rPr lang="en-US" dirty="0"/>
+              <a:t>What are Exceptions?</a:t>
+            </a:r>
+          </a:p>
+        </p:txBody>
+      </p:sp>
+      <p:sp>
+        <p:nvSpPr>
+          <p:cNvPr id="3" name="Content Placeholder 2">
+            <a:extLst>
+              <a:ext uri="{FF2B5EF4-FFF2-40B4-BE49-F238E27FC236}">
+                <a16:creationId xmlns:a16="http://schemas.microsoft.com/office/drawing/2014/main" id="{BE84B83E-1DE7-4440-B666-D63A911E4E2B}"/>
+              </a:ext>
+            </a:extLst>
+          </p:cNvPr>
+          <p:cNvSpPr>
+            <a:spLocks noGrp="1"/>
+          </p:cNvSpPr>
+          <p:nvPr>
+            <p:ph idx="1"/>
+          </p:nvPr>
+        </p:nvSpPr>
+        <p:spPr/>
+        <p:txBody>
+          <a:bodyPr/>
+          <a:lstStyle/>
+          <a:p>
+            <a:r>
+              <a:rPr lang="en-US" dirty="0"/>
+              <a:t>Syntax Errors vs Exceptions (Syntax Errors are exceptions, but you won’t work with them)</a:t>
+            </a:r>
+          </a:p>
+          <a:p>
+            <a:r>
+              <a:rPr lang="en-US" dirty="0"/>
+              <a:t>Exceptions are ‘thrown’ when a program in unable to continue execution normally</a:t>
+            </a:r>
+          </a:p>
+          <a:p>
+            <a:r>
+              <a:rPr lang="en-US" dirty="0"/>
+              <a:t>Catching exceptions vs letting them bubble up, potentially ending the program</a:t>
+            </a:r>
+          </a:p>
+          <a:p>
+            <a:r>
+              <a:rPr lang="en-US" dirty="0"/>
+              <a:t>Python recommends you ask for forgiveness rather than permission (i.e. only handle stuff when you have a good reason)</a:t>
+            </a:r>
+          </a:p>
+        </p:txBody>
+      </p:sp>
+    </p:spTree>
+    <p:extLst>
+      <p:ext uri="{BB962C8B-B14F-4D97-AF65-F5344CB8AC3E}">
+        <p14:creationId xmlns:p14="http://schemas.microsoft.com/office/powerpoint/2010/main" val="1287289309"/>
+      </p:ext>
+    </p:extLst>
+  </p:cSld>
+  <p:clrMapOvr>
+    <a:masterClrMapping/>
+  </p:clrMapOvr>
+</p:sld>
+</file>
+
+<file path=ppt/slides/slide3.xml><?xml version="1.0" encoding="utf-8"?>
+<p:sld xmlns:a="http://schemas.openxmlformats.org/drawingml/2006/main" xmlns:r="http://schemas.openxmlformats.org/officeDocument/2006/relationships" xmlns:p="http://schemas.openxmlformats.org/presentationml/2006/main">
+  <p:cSld>
+    <p:spTree>
+      <p:nvGrpSpPr>
+        <p:cNvPr id="1" name=""/>
+        <p:cNvGrpSpPr/>
+        <p:nvPr/>
+      </p:nvGrpSpPr>
+      <p:grpSpPr>
+        <a:xfrm>
+          <a:off x="0" y="0"/>
+          <a:ext cx="0" cy="0"/>
+          <a:chOff x="0" y="0"/>
+          <a:chExt cx="0" cy="0"/>
+        </a:xfrm>
+      </p:grpSpPr>
+      <p:sp>
+        <p:nvSpPr>
+          <p:cNvPr id="2" name="Title 1">
+            <a:extLst>
+              <a:ext uri="{FF2B5EF4-FFF2-40B4-BE49-F238E27FC236}">
+                <a16:creationId xmlns:a16="http://schemas.microsoft.com/office/drawing/2014/main" id="{142DDE34-8B8A-40D1-8C68-6CE12AEF472B}"/>
+              </a:ext>
+            </a:extLst>
+          </p:cNvPr>
+          <p:cNvSpPr>
+            <a:spLocks noGrp="1"/>
+          </p:cNvSpPr>
+          <p:nvPr>
+            <p:ph type="title"/>
+          </p:nvPr>
+        </p:nvSpPr>
+        <p:spPr/>
+        <p:txBody>
+          <a:bodyPr/>
+          <a:lstStyle/>
+          <a:p>
+            <a:r>
+              <a:rPr lang="en-US" dirty="0"/>
+              <a:t>When do Exceptions occur?</a:t>
+            </a:r>
+          </a:p>
+        </p:txBody>
+      </p:sp>
+      <p:sp>
+        <p:nvSpPr>
+          <p:cNvPr id="3" name="Content Placeholder 2">
+            <a:extLst>
+              <a:ext uri="{FF2B5EF4-FFF2-40B4-BE49-F238E27FC236}">
+                <a16:creationId xmlns:a16="http://schemas.microsoft.com/office/drawing/2014/main" id="{DB9E9107-17B8-4A05-9B43-1CB37ECB230C}"/>
+              </a:ext>
+            </a:extLst>
+          </p:cNvPr>
+          <p:cNvSpPr>
+            <a:spLocks noGrp="1"/>
+          </p:cNvSpPr>
+          <p:nvPr>
+            <p:ph idx="1"/>
+          </p:nvPr>
+        </p:nvSpPr>
+        <p:spPr/>
+        <p:txBody>
+          <a:bodyPr/>
+          <a:lstStyle/>
+          <a:p>
+            <a:endParaRPr lang="en-US"/>
+          </a:p>
+        </p:txBody>
+      </p:sp>
+      <p:pic>
+        <p:nvPicPr>
+          <p:cNvPr id="5" name="Picture 4">
+            <a:extLst>
+              <a:ext uri="{FF2B5EF4-FFF2-40B4-BE49-F238E27FC236}">
+                <a16:creationId xmlns:a16="http://schemas.microsoft.com/office/drawing/2014/main" id="{5F42F2CE-BCAC-467F-9F88-DB81E1F23051}"/>
+              </a:ext>
+            </a:extLst>
+          </p:cNvPr>
+          <p:cNvPicPr>
+            <a:picLocks noChangeAspect="1"/>
+          </p:cNvPicPr>
+          <p:nvPr/>
+        </p:nvPicPr>
+        <p:blipFill>
+          <a:blip r:embed="rId2"/>
+          <a:stretch>
+            <a:fillRect/>
+          </a:stretch>
+        </p:blipFill>
+        <p:spPr>
+          <a:xfrm>
+            <a:off x="838199" y="1690688"/>
+            <a:ext cx="9188385" cy="4486275"/>
+          </a:xfrm>
+          <a:prstGeom prst="rect">
+            <a:avLst/>
+          </a:prstGeom>
+        </p:spPr>
+      </p:pic>
+    </p:spTree>
+    <p:extLst>
+      <p:ext uri="{BB962C8B-B14F-4D97-AF65-F5344CB8AC3E}">
+        <p14:creationId xmlns:p14="http://schemas.microsoft.com/office/powerpoint/2010/main" val="2538397890"/>
+      </p:ext>
+    </p:extLst>
+  </p:cSld>
+  <p:clrMapOvr>
+    <a:masterClrMapping/>
+  </p:clrMapOvr>
+</p:sld>
+</file>
+
+<file path=ppt/slides/slide4.xml><?xml version="1.0" encoding="utf-8"?>
+<p:sld xmlns:a="http://schemas.openxmlformats.org/drawingml/2006/main" xmlns:r="http://schemas.openxmlformats.org/officeDocument/2006/relationships" xmlns:p="http://schemas.openxmlformats.org/presentationml/2006/main">
+  <p:cSld>
+    <p:spTree>
+      <p:nvGrpSpPr>
+        <p:cNvPr id="1" name=""/>
+        <p:cNvGrpSpPr/>
+        <p:nvPr/>
+      </p:nvGrpSpPr>
+      <p:grpSpPr>
+        <a:xfrm>
+          <a:off x="0" y="0"/>
+          <a:ext cx="0" cy="0"/>
+          <a:chOff x="0" y="0"/>
+          <a:chExt cx="0" cy="0"/>
+        </a:xfrm>
+      </p:grpSpPr>
+      <p:sp>
+        <p:nvSpPr>
+          <p:cNvPr id="2" name="Title 1">
+            <a:extLst>
+              <a:ext uri="{FF2B5EF4-FFF2-40B4-BE49-F238E27FC236}">
+                <a16:creationId xmlns:a16="http://schemas.microsoft.com/office/drawing/2014/main" id="{FC7D8760-7F7D-4509-8BD7-BF7AAEDD5FEC}"/>
+              </a:ext>
+            </a:extLst>
+          </p:cNvPr>
+          <p:cNvSpPr>
+            <a:spLocks noGrp="1"/>
+          </p:cNvSpPr>
+          <p:nvPr>
+            <p:ph type="title"/>
+          </p:nvPr>
+        </p:nvSpPr>
+        <p:spPr/>
+        <p:txBody>
+          <a:bodyPr/>
+          <a:lstStyle/>
+          <a:p>
+            <a:r>
+              <a:rPr lang="en-US" dirty="0"/>
+              <a:t>How to Handle Exceptions</a:t>
+            </a:r>
+          </a:p>
+        </p:txBody>
+      </p:sp>
+      <p:sp>
+        <p:nvSpPr>
+          <p:cNvPr id="3" name="Content Placeholder 2">
+            <a:extLst>
+              <a:ext uri="{FF2B5EF4-FFF2-40B4-BE49-F238E27FC236}">
+                <a16:creationId xmlns:a16="http://schemas.microsoft.com/office/drawing/2014/main" id="{E19278EE-24F6-49B2-B0AA-AD45D74284AD}"/>
+              </a:ext>
+            </a:extLst>
+          </p:cNvPr>
+          <p:cNvSpPr>
+            <a:spLocks noGrp="1"/>
+          </p:cNvSpPr>
+          <p:nvPr>
+            <p:ph idx="1"/>
+          </p:nvPr>
+        </p:nvSpPr>
+        <p:spPr/>
+        <p:txBody>
+          <a:bodyPr/>
+          <a:lstStyle/>
+          <a:p>
+            <a:endParaRPr lang="en-US"/>
+          </a:p>
+        </p:txBody>
+      </p:sp>
+      <p:pic>
+        <p:nvPicPr>
+          <p:cNvPr id="5" name="Picture 4">
+            <a:extLst>
+              <a:ext uri="{FF2B5EF4-FFF2-40B4-BE49-F238E27FC236}">
+                <a16:creationId xmlns:a16="http://schemas.microsoft.com/office/drawing/2014/main" id="{F2A1906F-6B43-4661-8BF9-081E5DCDC9E5}"/>
+              </a:ext>
+            </a:extLst>
+          </p:cNvPr>
+          <p:cNvPicPr>
+            <a:picLocks noChangeAspect="1"/>
+          </p:cNvPicPr>
+          <p:nvPr/>
+        </p:nvPicPr>
+        <p:blipFill>
+          <a:blip r:embed="rId2"/>
+          <a:stretch>
+            <a:fillRect/>
+          </a:stretch>
+        </p:blipFill>
+        <p:spPr>
+          <a:xfrm>
+            <a:off x="740924" y="1358698"/>
+            <a:ext cx="8821366" cy="2028786"/>
+          </a:xfrm>
+          <a:prstGeom prst="rect">
+            <a:avLst/>
+          </a:prstGeom>
+        </p:spPr>
+      </p:pic>
+      <p:pic>
+        <p:nvPicPr>
+          <p:cNvPr id="7" name="Picture 6">
+            <a:extLst>
+              <a:ext uri="{FF2B5EF4-FFF2-40B4-BE49-F238E27FC236}">
+                <a16:creationId xmlns:a16="http://schemas.microsoft.com/office/drawing/2014/main" id="{F5570DE1-C5AA-48D7-9161-F4B9F8D91435}"/>
+              </a:ext>
+            </a:extLst>
+          </p:cNvPr>
+          <p:cNvPicPr>
+            <a:picLocks noChangeAspect="1"/>
+          </p:cNvPicPr>
+          <p:nvPr/>
+        </p:nvPicPr>
+        <p:blipFill>
+          <a:blip r:embed="rId3"/>
+          <a:stretch>
+            <a:fillRect/>
+          </a:stretch>
+        </p:blipFill>
+        <p:spPr>
+          <a:xfrm>
+            <a:off x="2615119" y="3470517"/>
+            <a:ext cx="6013534" cy="3311507"/>
+          </a:xfrm>
+          <a:prstGeom prst="rect">
+            <a:avLst/>
+          </a:prstGeom>
+        </p:spPr>
+      </p:pic>
+    </p:spTree>
+    <p:extLst>
+      <p:ext uri="{BB962C8B-B14F-4D97-AF65-F5344CB8AC3E}">
+        <p14:creationId xmlns:p14="http://schemas.microsoft.com/office/powerpoint/2010/main" val="4204480459"/>
+      </p:ext>
+    </p:extLst>
+  </p:cSld>
+  <p:clrMapOvr>
+    <a:masterClrMapping/>
+  </p:clrMapOvr>
+</p:sld>
+</file>
+
+<file path=ppt/slides/slide5.xml><?xml version="1.0" encoding="utf-8"?>
+<p:sld xmlns:a="http://schemas.openxmlformats.org/drawingml/2006/main" xmlns:r="http://schemas.openxmlformats.org/officeDocument/2006/relationships" xmlns:p="http://schemas.openxmlformats.org/presentationml/2006/main">
+  <p:cSld>
+    <p:spTree>
+      <p:nvGrpSpPr>
+        <p:cNvPr id="1" name=""/>
+        <p:cNvGrpSpPr/>
+        <p:nvPr/>
+      </p:nvGrpSpPr>
+      <p:grpSpPr>
+        <a:xfrm>
+          <a:off x="0" y="0"/>
+          <a:ext cx="0" cy="0"/>
+          <a:chOff x="0" y="0"/>
+          <a:chExt cx="0" cy="0"/>
+        </a:xfrm>
+      </p:grpSpPr>
+      <p:sp>
+        <p:nvSpPr>
+          <p:cNvPr id="2" name="Title 1">
+            <a:extLst>
+              <a:ext uri="{FF2B5EF4-FFF2-40B4-BE49-F238E27FC236}">
+                <a16:creationId xmlns:a16="http://schemas.microsoft.com/office/drawing/2014/main" id="{B7CBF8AF-178C-4714-8699-CA92BD95DA7B}"/>
+              </a:ext>
+            </a:extLst>
+          </p:cNvPr>
+          <p:cNvSpPr>
+            <a:spLocks noGrp="1"/>
+          </p:cNvSpPr>
+          <p:nvPr>
+            <p:ph type="title"/>
+          </p:nvPr>
+        </p:nvSpPr>
+        <p:spPr/>
+        <p:txBody>
+          <a:bodyPr/>
+          <a:lstStyle/>
+          <a:p>
+            <a:r>
+              <a:rPr lang="en-US" dirty="0"/>
+              <a:t>How Not to Handle Exceptions</a:t>
+            </a:r>
+          </a:p>
+        </p:txBody>
+      </p:sp>
+      <p:sp>
+        <p:nvSpPr>
+          <p:cNvPr id="3" name="Content Placeholder 2">
+            <a:extLst>
+              <a:ext uri="{FF2B5EF4-FFF2-40B4-BE49-F238E27FC236}">
+                <a16:creationId xmlns:a16="http://schemas.microsoft.com/office/drawing/2014/main" id="{77C6D260-549F-472D-B733-75581D1F8CE9}"/>
+              </a:ext>
+            </a:extLst>
+          </p:cNvPr>
+          <p:cNvSpPr>
+            <a:spLocks noGrp="1"/>
+          </p:cNvSpPr>
+          <p:nvPr>
+            <p:ph idx="1"/>
+          </p:nvPr>
+        </p:nvSpPr>
+        <p:spPr/>
+        <p:txBody>
+          <a:bodyPr/>
+          <a:lstStyle/>
+          <a:p>
+            <a:r>
+              <a:rPr lang="en-US" dirty="0"/>
+              <a:t>Avoid having a blank exception</a:t>
+            </a:r>
+          </a:p>
+          <a:p>
+            <a:pPr lvl="1"/>
+            <a:r>
+              <a:rPr lang="en-US" dirty="0"/>
+              <a:t>If you really want to do this, indicate it using `</a:t>
+            </a:r>
+            <a:r>
+              <a:rPr lang="en-US" dirty="0">
+                <a:latin typeface="Consolas" panose="020B0609020204030204" pitchFamily="49" charset="0"/>
+              </a:rPr>
+              <a:t>except Exception:`</a:t>
+            </a:r>
+          </a:p>
+          <a:p>
+            <a:r>
+              <a:rPr lang="en-US" dirty="0"/>
+              <a:t>Catching an exception only to pass</a:t>
+            </a:r>
+          </a:p>
+          <a:p>
+            <a:r>
+              <a:rPr lang="en-US" dirty="0"/>
+              <a:t>Don’t catch exceptions just because they occur, have a reason in code to work with them</a:t>
+            </a:r>
+          </a:p>
+        </p:txBody>
+      </p:sp>
+      <p:pic>
+        <p:nvPicPr>
+          <p:cNvPr id="5" name="Picture 4">
+            <a:extLst>
+              <a:ext uri="{FF2B5EF4-FFF2-40B4-BE49-F238E27FC236}">
+                <a16:creationId xmlns:a16="http://schemas.microsoft.com/office/drawing/2014/main" id="{7368F906-B5A1-4938-A93A-3D5F825B5A8B}"/>
+              </a:ext>
+            </a:extLst>
+          </p:cNvPr>
+          <p:cNvPicPr>
+            <a:picLocks noChangeAspect="1"/>
+          </p:cNvPicPr>
+          <p:nvPr/>
+        </p:nvPicPr>
+        <p:blipFill>
+          <a:blip r:embed="rId2"/>
+          <a:stretch>
+            <a:fillRect/>
+          </a:stretch>
+        </p:blipFill>
+        <p:spPr>
+          <a:xfrm>
+            <a:off x="1021505" y="4282500"/>
+            <a:ext cx="4145505" cy="1807015"/>
+          </a:xfrm>
+          <a:prstGeom prst="rect">
+            <a:avLst/>
+          </a:prstGeom>
+        </p:spPr>
+      </p:pic>
+    </p:spTree>
+    <p:extLst>
+      <p:ext uri="{BB962C8B-B14F-4D97-AF65-F5344CB8AC3E}">
+        <p14:creationId xmlns:p14="http://schemas.microsoft.com/office/powerpoint/2010/main" val="1699384002"/>
+      </p:ext>
+    </p:extLst>
+  </p:cSld>
+  <p:clrMapOvr>
+    <a:masterClrMapping/>
+  </p:clrMapOvr>
+</p:sld>
+</file>
+
+<file path=ppt/slides/slide6.xml><?xml version="1.0" encoding="utf-8"?>
+<p:sld xmlns:a="http://schemas.openxmlformats.org/drawingml/2006/main" xmlns:r="http://schemas.openxmlformats.org/officeDocument/2006/relationships" xmlns:p="http://schemas.openxmlformats.org/presentationml/2006/main">
+  <p:cSld>
+    <p:spTree>
+      <p:nvGrpSpPr>
+        <p:cNvPr id="1" name=""/>
+        <p:cNvGrpSpPr/>
+        <p:nvPr/>
+      </p:nvGrpSpPr>
+      <p:grpSpPr>
+        <a:xfrm>
+          <a:off x="0" y="0"/>
+          <a:ext cx="0" cy="0"/>
+          <a:chOff x="0" y="0"/>
+          <a:chExt cx="0" cy="0"/>
+        </a:xfrm>
+      </p:grpSpPr>
+      <p:sp>
+        <p:nvSpPr>
+          <p:cNvPr id="2" name="Title 1">
+            <a:extLst>
+              <a:ext uri="{FF2B5EF4-FFF2-40B4-BE49-F238E27FC236}">
+                <a16:creationId xmlns:a16="http://schemas.microsoft.com/office/drawing/2014/main" id="{3217B244-F1D5-414E-A577-CACAD213E6DC}"/>
+              </a:ext>
+            </a:extLst>
+          </p:cNvPr>
+          <p:cNvSpPr>
+            <a:spLocks noGrp="1"/>
+          </p:cNvSpPr>
+          <p:nvPr>
+            <p:ph type="title"/>
+          </p:nvPr>
+        </p:nvSpPr>
+        <p:spPr>
+          <a:xfrm>
+            <a:off x="263950" y="124587"/>
+            <a:ext cx="4496586" cy="1325563"/>
+          </a:xfrm>
+        </p:spPr>
+        <p:txBody>
+          <a:bodyPr>
+            <a:normAutofit fontScale="90000"/>
+          </a:bodyPr>
+          <a:lstStyle/>
+          <a:p>
+            <a:r>
+              <a:rPr lang="en-US" dirty="0">
+                <a:latin typeface="Consolas" panose="020B0609020204030204" pitchFamily="49" charset="0"/>
+              </a:rPr>
+              <a:t>else</a:t>
+            </a:r>
+            <a:r>
+              <a:rPr lang="en-US" dirty="0"/>
+              <a:t> and </a:t>
+            </a:r>
+            <a:r>
+              <a:rPr lang="en-US" dirty="0">
+                <a:latin typeface="Consolas" panose="020B0609020204030204" pitchFamily="49" charset="0"/>
+              </a:rPr>
+              <a:t>finally</a:t>
+            </a:r>
+            <a:r>
+              <a:rPr lang="en-US" dirty="0"/>
+              <a:t> with </a:t>
+            </a:r>
+            <a:r>
+              <a:rPr lang="en-US" dirty="0">
+                <a:latin typeface="Consolas" panose="020B0609020204030204" pitchFamily="49" charset="0"/>
+              </a:rPr>
+              <a:t>Try/Except</a:t>
+            </a:r>
+          </a:p>
+        </p:txBody>
+      </p:sp>
+      <p:sp>
+        <p:nvSpPr>
+          <p:cNvPr id="3" name="Content Placeholder 2">
+            <a:extLst>
+              <a:ext uri="{FF2B5EF4-FFF2-40B4-BE49-F238E27FC236}">
+                <a16:creationId xmlns:a16="http://schemas.microsoft.com/office/drawing/2014/main" id="{1133F544-3B5D-425C-A11B-35964063B4C7}"/>
+              </a:ext>
+            </a:extLst>
+          </p:cNvPr>
+          <p:cNvSpPr>
+            <a:spLocks noGrp="1"/>
+          </p:cNvSpPr>
+          <p:nvPr>
+            <p:ph idx="1"/>
+          </p:nvPr>
+        </p:nvSpPr>
+        <p:spPr>
+          <a:xfrm>
+            <a:off x="838200" y="1825625"/>
+            <a:ext cx="3630105" cy="4351338"/>
+          </a:xfrm>
+        </p:spPr>
+        <p:txBody>
+          <a:bodyPr>
+            <a:normAutofit lnSpcReduction="10000"/>
+          </a:bodyPr>
+          <a:lstStyle/>
+          <a:p>
+            <a:r>
+              <a:rPr lang="en-US" dirty="0">
+                <a:latin typeface="Consolas" panose="020B0609020204030204" pitchFamily="49" charset="0"/>
+              </a:rPr>
+              <a:t>else</a:t>
+            </a:r>
+            <a:r>
+              <a:rPr lang="en-US" dirty="0"/>
+              <a:t> runs if no exception occurs</a:t>
+            </a:r>
+          </a:p>
+          <a:p>
+            <a:r>
+              <a:rPr lang="en-US" dirty="0">
+                <a:latin typeface="Consolas" panose="020B0609020204030204" pitchFamily="49" charset="0"/>
+              </a:rPr>
+              <a:t>finally</a:t>
+            </a:r>
+            <a:r>
+              <a:rPr lang="en-US" dirty="0"/>
+              <a:t> runs regardless of exceptions</a:t>
+            </a:r>
+          </a:p>
+          <a:p>
+            <a:r>
+              <a:rPr lang="en-US" dirty="0">
+                <a:latin typeface="Consolas" panose="020B0609020204030204" pitchFamily="49" charset="0"/>
+              </a:rPr>
+              <a:t>finally</a:t>
+            </a:r>
+            <a:r>
+              <a:rPr lang="en-US" dirty="0"/>
+              <a:t> runs even if new errors are raised, or if </a:t>
+            </a:r>
+            <a:r>
+              <a:rPr lang="en-US" dirty="0">
+                <a:latin typeface="Consolas" panose="020B0609020204030204" pitchFamily="49" charset="0"/>
+              </a:rPr>
+              <a:t>break, continue, </a:t>
+            </a:r>
+            <a:r>
+              <a:rPr lang="en-US" dirty="0"/>
+              <a:t>or</a:t>
+            </a:r>
+            <a:r>
+              <a:rPr lang="en-US" dirty="0">
+                <a:latin typeface="Consolas" panose="020B0609020204030204" pitchFamily="49" charset="0"/>
+              </a:rPr>
+              <a:t> return</a:t>
+            </a:r>
+            <a:r>
+              <a:rPr lang="en-US" dirty="0"/>
+              <a:t> statements occur</a:t>
+            </a:r>
+          </a:p>
+        </p:txBody>
+      </p:sp>
+      <p:pic>
+        <p:nvPicPr>
+          <p:cNvPr id="5" name="Picture 4">
+            <a:extLst>
+              <a:ext uri="{FF2B5EF4-FFF2-40B4-BE49-F238E27FC236}">
+                <a16:creationId xmlns:a16="http://schemas.microsoft.com/office/drawing/2014/main" id="{06183E74-A132-41D0-A272-D747905532DB}"/>
+              </a:ext>
+            </a:extLst>
+          </p:cNvPr>
+          <p:cNvPicPr>
+            <a:picLocks noChangeAspect="1"/>
+          </p:cNvPicPr>
+          <p:nvPr/>
+        </p:nvPicPr>
+        <p:blipFill>
+          <a:blip r:embed="rId2"/>
+          <a:stretch>
+            <a:fillRect/>
+          </a:stretch>
+        </p:blipFill>
+        <p:spPr>
+          <a:xfrm>
+            <a:off x="4561787" y="350445"/>
+            <a:ext cx="7630213" cy="6157110"/>
+          </a:xfrm>
+          <a:prstGeom prst="rect">
+            <a:avLst/>
+          </a:prstGeom>
+        </p:spPr>
+      </p:pic>
+    </p:spTree>
+    <p:extLst>
+      <p:ext uri="{BB962C8B-B14F-4D97-AF65-F5344CB8AC3E}">
+        <p14:creationId xmlns:p14="http://schemas.microsoft.com/office/powerpoint/2010/main" val="2544555255"/>
+      </p:ext>
+    </p:extLst>
+  </p:cSld>
+  <p:clrMapOvr>
+    <a:masterClrMapping/>
+  </p:clrMapOvr>
+</p:sld>
+</file>
+
+<file path=ppt/slides/slide7.xml><?xml version="1.0" encoding="utf-8"?>
+<p:sld xmlns:a="http://schemas.openxmlformats.org/drawingml/2006/main" xmlns:r="http://schemas.openxmlformats.org/officeDocument/2006/relationships" xmlns:p="http://schemas.openxmlformats.org/presentationml/2006/main">
+  <p:cSld>
+    <p:spTree>
+      <p:nvGrpSpPr>
+        <p:cNvPr id="1" name=""/>
+        <p:cNvGrpSpPr/>
+        <p:nvPr/>
+      </p:nvGrpSpPr>
+      <p:grpSpPr>
+        <a:xfrm>
+          <a:off x="0" y="0"/>
+          <a:ext cx="0" cy="0"/>
+          <a:chOff x="0" y="0"/>
+          <a:chExt cx="0" cy="0"/>
+        </a:xfrm>
+      </p:grpSpPr>
+      <p:sp>
+        <p:nvSpPr>
+          <p:cNvPr id="2" name="Title 1">
+            <a:extLst>
+              <a:ext uri="{FF2B5EF4-FFF2-40B4-BE49-F238E27FC236}">
+                <a16:creationId xmlns:a16="http://schemas.microsoft.com/office/drawing/2014/main" id="{0D192300-1DF9-452E-BE0E-9900C967CF46}"/>
+              </a:ext>
+            </a:extLst>
+          </p:cNvPr>
+          <p:cNvSpPr>
+            <a:spLocks noGrp="1"/>
+          </p:cNvSpPr>
+          <p:nvPr>
+            <p:ph type="title"/>
+          </p:nvPr>
+        </p:nvSpPr>
+        <p:spPr/>
+        <p:txBody>
+          <a:bodyPr/>
+          <a:lstStyle/>
+          <a:p>
+            <a:r>
+              <a:rPr lang="en-US" dirty="0"/>
+              <a:t>The </a:t>
+            </a:r>
+            <a:r>
+              <a:rPr lang="en-US" dirty="0">
+                <a:latin typeface="Consolas" panose="020B0609020204030204" pitchFamily="49" charset="0"/>
+              </a:rPr>
+              <a:t>raise</a:t>
+            </a:r>
+            <a:r>
+              <a:rPr lang="en-US" dirty="0"/>
+              <a:t> Statement</a:t>
+            </a:r>
+          </a:p>
+        </p:txBody>
+      </p:sp>
+      <p:sp>
+        <p:nvSpPr>
+          <p:cNvPr id="3" name="Content Placeholder 2">
+            <a:extLst>
+              <a:ext uri="{FF2B5EF4-FFF2-40B4-BE49-F238E27FC236}">
+                <a16:creationId xmlns:a16="http://schemas.microsoft.com/office/drawing/2014/main" id="{16E02A88-0758-42DB-A3E6-49E8C54C8DEA}"/>
+              </a:ext>
+            </a:extLst>
+          </p:cNvPr>
+          <p:cNvSpPr>
+            <a:spLocks noGrp="1"/>
+          </p:cNvSpPr>
+          <p:nvPr>
+            <p:ph idx="1"/>
+          </p:nvPr>
+        </p:nvSpPr>
+        <p:spPr/>
+        <p:txBody>
+          <a:bodyPr/>
+          <a:lstStyle/>
+          <a:p>
+            <a:r>
+              <a:rPr lang="en-US" dirty="0"/>
+              <a:t>With an argument, throws an exception</a:t>
+            </a:r>
+          </a:p>
+          <a:p>
+            <a:r>
+              <a:rPr lang="en-US" dirty="0"/>
+              <a:t>Without, it raises the current exception</a:t>
+            </a:r>
+          </a:p>
+        </p:txBody>
+      </p:sp>
+      <p:pic>
+        <p:nvPicPr>
+          <p:cNvPr id="7" name="Picture 6">
+            <a:extLst>
+              <a:ext uri="{FF2B5EF4-FFF2-40B4-BE49-F238E27FC236}">
+                <a16:creationId xmlns:a16="http://schemas.microsoft.com/office/drawing/2014/main" id="{79203298-1174-423F-866D-11F96F9E946E}"/>
+              </a:ext>
+            </a:extLst>
+          </p:cNvPr>
+          <p:cNvPicPr>
+            <a:picLocks noChangeAspect="1"/>
+          </p:cNvPicPr>
+          <p:nvPr/>
+        </p:nvPicPr>
+        <p:blipFill>
+          <a:blip r:embed="rId2"/>
+          <a:stretch>
+            <a:fillRect/>
+          </a:stretch>
+        </p:blipFill>
+        <p:spPr>
+          <a:xfrm>
+            <a:off x="996171" y="3014389"/>
+            <a:ext cx="6269895" cy="1555920"/>
+          </a:xfrm>
+          <a:prstGeom prst="rect">
+            <a:avLst/>
+          </a:prstGeom>
+        </p:spPr>
+      </p:pic>
+      <p:pic>
+        <p:nvPicPr>
+          <p:cNvPr id="9" name="Picture 8">
+            <a:extLst>
+              <a:ext uri="{FF2B5EF4-FFF2-40B4-BE49-F238E27FC236}">
+                <a16:creationId xmlns:a16="http://schemas.microsoft.com/office/drawing/2014/main" id="{B90D8686-7F6C-4BBB-8A92-6547E2A5EB52}"/>
+              </a:ext>
+            </a:extLst>
+          </p:cNvPr>
+          <p:cNvPicPr>
+            <a:picLocks noChangeAspect="1"/>
+          </p:cNvPicPr>
+          <p:nvPr/>
+        </p:nvPicPr>
+        <p:blipFill>
+          <a:blip r:embed="rId3"/>
+          <a:stretch>
+            <a:fillRect/>
+          </a:stretch>
+        </p:blipFill>
+        <p:spPr>
+          <a:xfrm>
+            <a:off x="996171" y="4705246"/>
+            <a:ext cx="5376745" cy="1787629"/>
+          </a:xfrm>
+          <a:prstGeom prst="rect">
+            <a:avLst/>
+          </a:prstGeom>
+        </p:spPr>
+      </p:pic>
+    </p:spTree>
+    <p:extLst>
+      <p:ext uri="{BB962C8B-B14F-4D97-AF65-F5344CB8AC3E}">
+        <p14:creationId xmlns:p14="http://schemas.microsoft.com/office/powerpoint/2010/main" val="172198020"/>
+      </p:ext>
+    </p:extLst>
+  </p:cSld>
+  <p:clrMapOvr>
+    <a:masterClrMapping/>
+  </p:clrMapOvr>
+</p:sld>
+</file>
+
+<file path=ppt/slides/slide8.xml><?xml version="1.0" encoding="utf-8"?>
+<p:sld xmlns:a="http://schemas.openxmlformats.org/drawingml/2006/main" xmlns:r="http://schemas.openxmlformats.org/officeDocument/2006/relationships" xmlns:p="http://schemas.openxmlformats.org/presentationml/2006/main">
+  <p:cSld>
+    <p:spTree>
+      <p:nvGrpSpPr>
+        <p:cNvPr id="1" name=""/>
+        <p:cNvGrpSpPr/>
+        <p:nvPr/>
+      </p:nvGrpSpPr>
+      <p:grpSpPr>
+        <a:xfrm>
+          <a:off x="0" y="0"/>
+          <a:ext cx="0" cy="0"/>
+          <a:chOff x="0" y="0"/>
+          <a:chExt cx="0" cy="0"/>
+        </a:xfrm>
+      </p:grpSpPr>
+      <p:sp>
+        <p:nvSpPr>
+          <p:cNvPr id="2" name="Title 1">
+            <a:extLst>
+              <a:ext uri="{FF2B5EF4-FFF2-40B4-BE49-F238E27FC236}">
+                <a16:creationId xmlns:a16="http://schemas.microsoft.com/office/drawing/2014/main" id="{43F4E32D-1C4A-48FA-B0C7-7391B13B5A65}"/>
+              </a:ext>
+            </a:extLst>
+          </p:cNvPr>
+          <p:cNvSpPr>
+            <a:spLocks noGrp="1"/>
+          </p:cNvSpPr>
+          <p:nvPr>
+            <p:ph type="title"/>
+          </p:nvPr>
+        </p:nvSpPr>
+        <p:spPr/>
+        <p:txBody>
+          <a:bodyPr/>
+          <a:lstStyle/>
+          <a:p>
+            <a:r>
+              <a:rPr lang="en-US" dirty="0"/>
+              <a:t>Exceptions Cascade Back Through Functions</a:t>
+            </a:r>
+          </a:p>
+        </p:txBody>
+      </p:sp>
+      <p:pic>
+        <p:nvPicPr>
+          <p:cNvPr id="5" name="Content Placeholder 4">
+            <a:extLst>
+              <a:ext uri="{FF2B5EF4-FFF2-40B4-BE49-F238E27FC236}">
+                <a16:creationId xmlns:a16="http://schemas.microsoft.com/office/drawing/2014/main" id="{C82735F4-386E-47B1-849F-553CE6396896}"/>
+              </a:ext>
+            </a:extLst>
+          </p:cNvPr>
+          <p:cNvPicPr>
+            <a:picLocks noGrp="1" noChangeAspect="1"/>
+          </p:cNvPicPr>
+          <p:nvPr>
+            <p:ph idx="1"/>
+          </p:nvPr>
+        </p:nvPicPr>
+        <p:blipFill>
+          <a:blip r:embed="rId2"/>
+          <a:stretch>
+            <a:fillRect/>
+          </a:stretch>
+        </p:blipFill>
+        <p:spPr>
+          <a:xfrm>
+            <a:off x="1026267" y="2232497"/>
+            <a:ext cx="6806825" cy="3010711"/>
+          </a:xfrm>
+        </p:spPr>
+      </p:pic>
+    </p:spTree>
+    <p:extLst>
+      <p:ext uri="{BB962C8B-B14F-4D97-AF65-F5344CB8AC3E}">
+        <p14:creationId xmlns:p14="http://schemas.microsoft.com/office/powerpoint/2010/main" val="546678823"/>
+      </p:ext>
+    </p:extLst>
+  </p:cSld>
+  <p:clrMapOvr>
+    <a:masterClrMapping/>
+  </p:clrMapOvr>
+</p:sld>
+</file>
+
+<file path=ppt/slides/slide9.xml><?xml version="1.0" encoding="utf-8"?>
+<p:sld xmlns:a="http://schemas.openxmlformats.org/drawingml/2006/main" xmlns:r="http://schemas.openxmlformats.org/officeDocument/2006/relationships" xmlns:p="http://schemas.openxmlformats.org/presentationml/2006/main">
+  <p:cSld>
+    <p:spTree>
+      <p:nvGrpSpPr>
+        <p:cNvPr id="1" name=""/>
+        <p:cNvGrpSpPr/>
+        <p:nvPr/>
+      </p:nvGrpSpPr>
+      <p:grpSpPr>
+        <a:xfrm>
+          <a:off x="0" y="0"/>
+          <a:ext cx="0" cy="0"/>
+          <a:chOff x="0" y="0"/>
+          <a:chExt cx="0" cy="0"/>
+        </a:xfrm>
+      </p:grpSpPr>
+      <p:sp>
+        <p:nvSpPr>
+          <p:cNvPr id="2" name="Title 1">
+            <a:extLst>
+              <a:ext uri="{FF2B5EF4-FFF2-40B4-BE49-F238E27FC236}">
+                <a16:creationId xmlns:a16="http://schemas.microsoft.com/office/drawing/2014/main" id="{DCFEE752-4431-4B7C-A574-E1F008C61481}"/>
+              </a:ext>
+            </a:extLst>
+          </p:cNvPr>
+          <p:cNvSpPr>
+            <a:spLocks noGrp="1"/>
+          </p:cNvSpPr>
+          <p:nvPr>
+            <p:ph type="ctrTitle"/>
+          </p:nvPr>
+        </p:nvSpPr>
+        <p:spPr/>
+        <p:txBody>
+          <a:bodyPr/>
+          <a:lstStyle/>
+          <a:p>
+            <a:r>
+              <a:rPr lang="en-US" dirty="0"/>
+              <a:t>Break for the Exceptions Notebook</a:t>
+            </a:r>
+          </a:p>
+        </p:txBody>
+      </p:sp>
+      <p:sp>
+        <p:nvSpPr>
+          <p:cNvPr id="3" name="Subtitle 2">
+            <a:extLst>
+              <a:ext uri="{FF2B5EF4-FFF2-40B4-BE49-F238E27FC236}">
+                <a16:creationId xmlns:a16="http://schemas.microsoft.com/office/drawing/2014/main" id="{722E4500-47CB-4822-BB89-83A6DBE8AA7A}"/>
+              </a:ext>
+            </a:extLst>
+          </p:cNvPr>
+          <p:cNvSpPr>
+            <a:spLocks noGrp="1"/>
+          </p:cNvSpPr>
+          <p:nvPr>
+            <p:ph type="subTitle" idx="1"/>
+          </p:nvPr>
+        </p:nvSpPr>
+        <p:spPr/>
+        <p:txBody>
+          <a:bodyPr/>
+          <a:lstStyle/>
+          <a:p>
+            <a:endParaRPr lang="en-US"/>
+          </a:p>
+        </p:txBody>
+      </p:sp>
+    </p:spTree>
+    <p:extLst>
+      <p:ext uri="{BB962C8B-B14F-4D97-AF65-F5344CB8AC3E}">
+        <p14:creationId xmlns:p14="http://schemas.microsoft.com/office/powerpoint/2010/main" val="293899838"/>
+      </p:ext>
+    </p:extLst>
+  </p:cSld>
+  <p:clrMapOvr>
+    <a:masterClrMapping/>
+  </p:clrMapOvr>
+</p:sld>
+</file>
+
 <file path=ppt/theme/theme1.xml><?xml version="1.0" encoding="utf-8"?>
 <a:theme xmlns:a="http://schemas.openxmlformats.org/drawingml/2006/main" name="Office Theme">
   <a:themeElements>
